--- a/Insights_and_Recommendations_File.pptx
+++ b/Insights_and_Recommendations_File.pptx
@@ -5,7 +5,7 @@
     <p:sldMasterId id="2147483648" r:id="rId1"/>
   </p:sldMasterIdLst>
   <p:notesMasterIdLst>
-    <p:notesMasterId r:id="rId16"/>
+    <p:notesMasterId r:id="rId17"/>
   </p:notesMasterIdLst>
   <p:sldIdLst>
     <p:sldId id="256" r:id="rId2"/>
@@ -20,8 +20,9 @@
     <p:sldId id="275" r:id="rId11"/>
     <p:sldId id="277" r:id="rId12"/>
     <p:sldId id="278" r:id="rId13"/>
-    <p:sldId id="279" r:id="rId14"/>
-    <p:sldId id="280" r:id="rId15"/>
+    <p:sldId id="281" r:id="rId14"/>
+    <p:sldId id="279" r:id="rId15"/>
+    <p:sldId id="280" r:id="rId16"/>
   </p:sldIdLst>
   <p:sldSz cx="12192000" cy="6858000"/>
   <p:notesSz cx="6858000" cy="9144000"/>
@@ -12174,7 +12175,7 @@
           <a:p>
             <a:fld id="{6E778A0B-F833-44F9-B5D2-79D60A722927}" type="slidenum">
               <a:rPr lang="en-IN" smtClean="0"/>
-              <a:t>13</a:t>
+              <a:t>14</a:t>
             </a:fld>
             <a:endParaRPr lang="en-IN"/>
           </a:p>
@@ -20250,6 +20251,441 @@
           <a:p>
             <a:r>
               <a:rPr lang="en-US" sz="3600" b="1" dirty="0"/>
+              <a:t>Objective-8 (Correlation Analysis)</a:t>
+            </a:r>
+            <a:endParaRPr lang="en-IN" sz="3600" b="1" dirty="0"/>
+          </a:p>
+        </p:txBody>
+      </p:sp>
+      <p:sp>
+        <p:nvSpPr>
+          <p:cNvPr id="23" name="TextBox 22">
+            <a:extLst>
+              <a:ext uri="{FF2B5EF4-FFF2-40B4-BE49-F238E27FC236}">
+                <a16:creationId xmlns:a16="http://schemas.microsoft.com/office/drawing/2014/main" id="{AA219C2D-87B4-B575-FD3E-5B290E085501}"/>
+              </a:ext>
+            </a:extLst>
+          </p:cNvPr>
+          <p:cNvSpPr txBox="1"/>
+          <p:nvPr/>
+        </p:nvSpPr>
+        <p:spPr>
+          <a:xfrm>
+            <a:off x="6175622" y="5013212"/>
+            <a:ext cx="5515770" cy="1754326"/>
+          </a:xfrm>
+          <a:prstGeom prst="rect">
+            <a:avLst/>
+          </a:prstGeom>
+          <a:noFill/>
+          <a:ln>
+            <a:solidFill>
+              <a:schemeClr val="tx1"/>
+            </a:solidFill>
+          </a:ln>
+        </p:spPr>
+        <p:txBody>
+          <a:bodyPr wrap="square" rtlCol="0">
+            <a:spAutoFit/>
+          </a:bodyPr>
+          <a:lstStyle/>
+          <a:p>
+            <a:pPr algn="l">
+              <a:buFont typeface="+mj-lt"/>
+              <a:buAutoNum type="arabicPeriod"/>
+            </a:pPr>
+            <a:r>
+              <a:rPr lang="en-US" b="0" i="0" dirty="0">
+                <a:effectLst/>
+                <a:latin typeface="system-ui"/>
+              </a:rPr>
+              <a:t>The Pearson's correlation coefficient for the dependent </a:t>
+            </a:r>
+            <a:r>
+              <a:rPr lang="en-US" b="0" i="0" dirty="0" err="1">
+                <a:effectLst/>
+                <a:latin typeface="system-ui"/>
+              </a:rPr>
+              <a:t>targer</a:t>
+            </a:r>
+            <a:r>
+              <a:rPr lang="en-US" b="0" i="0" dirty="0">
+                <a:effectLst/>
+                <a:latin typeface="system-ui"/>
+              </a:rPr>
+              <a:t> variable [</a:t>
+            </a:r>
+            <a:r>
+              <a:rPr lang="en-US" b="0" i="0" dirty="0" err="1">
+                <a:effectLst/>
+                <a:latin typeface="system-ui"/>
+              </a:rPr>
+              <a:t>Opening_of_Term-deposit_Acct_Num</a:t>
+            </a:r>
+            <a:r>
+              <a:rPr lang="en-US" b="0" i="0" dirty="0">
+                <a:effectLst/>
+                <a:latin typeface="system-ui"/>
+              </a:rPr>
+              <a:t>] and independent </a:t>
+            </a:r>
+            <a:r>
+              <a:rPr lang="en-US" b="0" i="0" dirty="0" err="1">
+                <a:effectLst/>
+                <a:latin typeface="system-ui"/>
+              </a:rPr>
+              <a:t>varaiable</a:t>
+            </a:r>
+            <a:r>
+              <a:rPr lang="en-US" b="0" i="0" dirty="0">
+                <a:effectLst/>
+                <a:latin typeface="system-ui"/>
+              </a:rPr>
+              <a:t> [Call Duration_1] is 0.4. </a:t>
+            </a:r>
+          </a:p>
+          <a:p>
+            <a:pPr algn="l">
+              <a:buFont typeface="+mj-lt"/>
+              <a:buAutoNum type="arabicPeriod"/>
+            </a:pPr>
+            <a:r>
+              <a:rPr lang="en-US" b="0" i="0" dirty="0">
+                <a:effectLst/>
+                <a:latin typeface="system-ui"/>
+              </a:rPr>
+              <a:t>Hence, there </a:t>
+            </a:r>
+            <a:r>
+              <a:rPr lang="en-US" b="1" i="0" dirty="0">
+                <a:effectLst/>
+                <a:latin typeface="system-ui"/>
+              </a:rPr>
+              <a:t>exists a positive moderate relationship </a:t>
+            </a:r>
+            <a:r>
+              <a:rPr lang="en-US" b="0" i="0" dirty="0">
+                <a:effectLst/>
+                <a:latin typeface="system-ui"/>
+              </a:rPr>
+              <a:t>between these two variables.</a:t>
+            </a:r>
+          </a:p>
+          <a:p>
+            <a:endParaRPr lang="en-IN" b="1" dirty="0"/>
+          </a:p>
+        </p:txBody>
+      </p:sp>
+      <p:sp>
+        <p:nvSpPr>
+          <p:cNvPr id="25" name="TextBox 24">
+            <a:extLst>
+              <a:ext uri="{FF2B5EF4-FFF2-40B4-BE49-F238E27FC236}">
+                <a16:creationId xmlns:a16="http://schemas.microsoft.com/office/drawing/2014/main" id="{435C007F-6DAC-03F9-5D69-8CB4E5043703}"/>
+              </a:ext>
+            </a:extLst>
+          </p:cNvPr>
+          <p:cNvSpPr txBox="1"/>
+          <p:nvPr/>
+        </p:nvSpPr>
+        <p:spPr>
+          <a:xfrm>
+            <a:off x="624247" y="5011364"/>
+            <a:ext cx="5392133" cy="1754326"/>
+          </a:xfrm>
+          <a:prstGeom prst="rect">
+            <a:avLst/>
+          </a:prstGeom>
+          <a:noFill/>
+          <a:ln>
+            <a:solidFill>
+              <a:schemeClr val="tx1"/>
+            </a:solidFill>
+          </a:ln>
+        </p:spPr>
+        <p:txBody>
+          <a:bodyPr wrap="square" rtlCol="0">
+            <a:spAutoFit/>
+          </a:bodyPr>
+          <a:lstStyle/>
+          <a:p>
+            <a:r>
+              <a:rPr lang="en-US" b="0" i="0" dirty="0">
+                <a:effectLst/>
+                <a:latin typeface="system-ui"/>
+              </a:rPr>
+              <a:t>As the Pearson's correlation coefficient for the Age, balance, call duration attributes, and </a:t>
+            </a:r>
+            <a:r>
+              <a:rPr lang="en-US" b="0" i="0" dirty="0" err="1">
+                <a:effectLst/>
+                <a:latin typeface="system-ui"/>
+              </a:rPr>
+              <a:t>No_of_Campaigns_Customer_Contacted</a:t>
+            </a:r>
+            <a:r>
+              <a:rPr lang="en-US" b="0" i="0" dirty="0">
+                <a:effectLst/>
+                <a:latin typeface="system-ui"/>
+              </a:rPr>
+              <a:t> remained less than 0.1, there is no relationship between them. </a:t>
+            </a:r>
+          </a:p>
+          <a:p>
+            <a:r>
+              <a:rPr lang="en-US" b="0" i="0" dirty="0">
+                <a:effectLst/>
+                <a:latin typeface="system-ui"/>
+              </a:rPr>
+              <a:t>Hence, there is </a:t>
+            </a:r>
+            <a:r>
+              <a:rPr lang="en-US" b="1" i="0" dirty="0">
+                <a:effectLst/>
+                <a:latin typeface="system-ui"/>
+              </a:rPr>
+              <a:t>no presence of multicollinearity </a:t>
+            </a:r>
+            <a:r>
+              <a:rPr lang="en-US" b="0" i="0" dirty="0">
+                <a:effectLst/>
+                <a:latin typeface="system-ui"/>
+              </a:rPr>
+              <a:t>between the independent variables.</a:t>
+            </a:r>
+            <a:endParaRPr lang="en-IN" dirty="0"/>
+          </a:p>
+        </p:txBody>
+      </p:sp>
+      <p:sp>
+        <p:nvSpPr>
+          <p:cNvPr id="26" name="TextBox 25">
+            <a:extLst>
+              <a:ext uri="{FF2B5EF4-FFF2-40B4-BE49-F238E27FC236}">
+                <a16:creationId xmlns:a16="http://schemas.microsoft.com/office/drawing/2014/main" id="{6A7B776E-5906-942D-8139-A5BB3799DB6F}"/>
+              </a:ext>
+            </a:extLst>
+          </p:cNvPr>
+          <p:cNvSpPr txBox="1"/>
+          <p:nvPr/>
+        </p:nvSpPr>
+        <p:spPr>
+          <a:xfrm>
+            <a:off x="1684154" y="4391548"/>
+            <a:ext cx="3272320" cy="307777"/>
+          </a:xfrm>
+          <a:prstGeom prst="rect">
+            <a:avLst/>
+          </a:prstGeom>
+          <a:noFill/>
+          <a:ln>
+            <a:solidFill>
+              <a:schemeClr val="tx1"/>
+            </a:solidFill>
+          </a:ln>
+        </p:spPr>
+        <p:txBody>
+          <a:bodyPr wrap="square" rtlCol="0">
+            <a:spAutoFit/>
+          </a:bodyPr>
+          <a:lstStyle/>
+          <a:p>
+            <a:r>
+              <a:rPr lang="en-US" sz="1400" dirty="0" err="1"/>
+              <a:t>Heat_Map_to_Evaluate_Multicollinearity</a:t>
+            </a:r>
+            <a:endParaRPr lang="en-IN" sz="1400" dirty="0"/>
+          </a:p>
+        </p:txBody>
+      </p:sp>
+      <p:pic>
+        <p:nvPicPr>
+          <p:cNvPr id="4" name="Picture 3">
+            <a:extLst>
+              <a:ext uri="{FF2B5EF4-FFF2-40B4-BE49-F238E27FC236}">
+                <a16:creationId xmlns:a16="http://schemas.microsoft.com/office/drawing/2014/main" id="{7EF23DD6-81D5-F281-4575-0D301548C5FA}"/>
+              </a:ext>
+            </a:extLst>
+          </p:cNvPr>
+          <p:cNvPicPr>
+            <a:picLocks noChangeAspect="1"/>
+          </p:cNvPicPr>
+          <p:nvPr/>
+        </p:nvPicPr>
+        <p:blipFill>
+          <a:blip r:embed="rId2">
+            <a:extLst>
+              <a:ext uri="{28A0092B-C50C-407E-A947-70E740481C1C}">
+                <a14:useLocalDpi xmlns:a14="http://schemas.microsoft.com/office/drawing/2010/main" val="0"/>
+              </a:ext>
+            </a:extLst>
+          </a:blip>
+          <a:stretch>
+            <a:fillRect/>
+          </a:stretch>
+        </p:blipFill>
+        <p:spPr>
+          <a:xfrm>
+            <a:off x="980315" y="674758"/>
+            <a:ext cx="4680000" cy="3626494"/>
+          </a:xfrm>
+          <a:prstGeom prst="rect">
+            <a:avLst/>
+          </a:prstGeom>
+          <a:ln>
+            <a:solidFill>
+              <a:schemeClr val="accent1"/>
+            </a:solidFill>
+          </a:ln>
+        </p:spPr>
+      </p:pic>
+      <p:pic>
+        <p:nvPicPr>
+          <p:cNvPr id="6" name="Picture 5">
+            <a:extLst>
+              <a:ext uri="{FF2B5EF4-FFF2-40B4-BE49-F238E27FC236}">
+                <a16:creationId xmlns:a16="http://schemas.microsoft.com/office/drawing/2014/main" id="{E287BAAC-3D5B-A03A-2C3A-886AE05B26DC}"/>
+              </a:ext>
+            </a:extLst>
+          </p:cNvPr>
+          <p:cNvPicPr>
+            <a:picLocks noChangeAspect="1"/>
+          </p:cNvPicPr>
+          <p:nvPr/>
+        </p:nvPicPr>
+        <p:blipFill>
+          <a:blip r:embed="rId3">
+            <a:extLst>
+              <a:ext uri="{28A0092B-C50C-407E-A947-70E740481C1C}">
+                <a14:useLocalDpi xmlns:a14="http://schemas.microsoft.com/office/drawing/2010/main" val="0"/>
+              </a:ext>
+            </a:extLst>
+          </a:blip>
+          <a:stretch>
+            <a:fillRect/>
+          </a:stretch>
+        </p:blipFill>
+        <p:spPr>
+          <a:xfrm>
+            <a:off x="6531686" y="677638"/>
+            <a:ext cx="4680000" cy="3626494"/>
+          </a:xfrm>
+          <a:prstGeom prst="rect">
+            <a:avLst/>
+          </a:prstGeom>
+          <a:ln>
+            <a:solidFill>
+              <a:schemeClr val="accent1"/>
+            </a:solidFill>
+          </a:ln>
+        </p:spPr>
+      </p:pic>
+      <p:sp>
+        <p:nvSpPr>
+          <p:cNvPr id="7" name="TextBox 6">
+            <a:extLst>
+              <a:ext uri="{FF2B5EF4-FFF2-40B4-BE49-F238E27FC236}">
+                <a16:creationId xmlns:a16="http://schemas.microsoft.com/office/drawing/2014/main" id="{1C9237E6-B1A1-5253-4AC6-DD91DA816991}"/>
+              </a:ext>
+            </a:extLst>
+          </p:cNvPr>
+          <p:cNvSpPr txBox="1"/>
+          <p:nvPr/>
+        </p:nvSpPr>
+        <p:spPr>
+          <a:xfrm>
+            <a:off x="6531686" y="4391548"/>
+            <a:ext cx="4679999" cy="523220"/>
+          </a:xfrm>
+          <a:prstGeom prst="rect">
+            <a:avLst/>
+          </a:prstGeom>
+          <a:noFill/>
+          <a:ln>
+            <a:solidFill>
+              <a:schemeClr val="tx1"/>
+            </a:solidFill>
+          </a:ln>
+        </p:spPr>
+        <p:txBody>
+          <a:bodyPr wrap="square" rtlCol="0">
+            <a:spAutoFit/>
+          </a:bodyPr>
+          <a:lstStyle/>
+          <a:p>
+            <a:r>
+              <a:rPr lang="en-US" sz="1400" dirty="0"/>
+              <a:t>Heat_Map_to_Evaluate_Correlation_between_Independent_Variables_and_Target_variable</a:t>
+            </a:r>
+            <a:endParaRPr lang="en-IN" sz="1400" dirty="0"/>
+          </a:p>
+        </p:txBody>
+      </p:sp>
+    </p:spTree>
+    <p:extLst>
+      <p:ext uri="{BB962C8B-B14F-4D97-AF65-F5344CB8AC3E}">
+        <p14:creationId xmlns:p14="http://schemas.microsoft.com/office/powerpoint/2010/main" val="2936194445"/>
+      </p:ext>
+    </p:extLst>
+  </p:cSld>
+  <p:clrMapOvr>
+    <a:masterClrMapping/>
+  </p:clrMapOvr>
+</p:sld>
+</file>
+
+<file path=ppt/slides/slide14.xml><?xml version="1.0" encoding="utf-8"?>
+<p:sld xmlns:a="http://schemas.openxmlformats.org/drawingml/2006/main" xmlns:r="http://schemas.openxmlformats.org/officeDocument/2006/relationships" xmlns:p="http://schemas.openxmlformats.org/presentationml/2006/main">
+  <p:cSld>
+    <p:spTree>
+      <p:nvGrpSpPr>
+        <p:cNvPr id="1" name=""/>
+        <p:cNvGrpSpPr/>
+        <p:nvPr/>
+      </p:nvGrpSpPr>
+      <p:grpSpPr>
+        <a:xfrm>
+          <a:off x="0" y="0"/>
+          <a:ext cx="0" cy="0"/>
+          <a:chOff x="0" y="0"/>
+          <a:chExt cx="0" cy="0"/>
+        </a:xfrm>
+      </p:grpSpPr>
+      <p:sp>
+        <p:nvSpPr>
+          <p:cNvPr id="2" name="Title 1">
+            <a:extLst>
+              <a:ext uri="{FF2B5EF4-FFF2-40B4-BE49-F238E27FC236}">
+                <a16:creationId xmlns:a16="http://schemas.microsoft.com/office/drawing/2014/main" id="{5293886D-6870-1735-8777-9617781C3FFB}"/>
+              </a:ext>
+            </a:extLst>
+          </p:cNvPr>
+          <p:cNvSpPr>
+            <a:spLocks noGrp="1"/>
+          </p:cNvSpPr>
+          <p:nvPr>
+            <p:ph type="title"/>
+          </p:nvPr>
+        </p:nvSpPr>
+        <p:spPr>
+          <a:xfrm>
+            <a:off x="0" y="1"/>
+            <a:ext cx="12192000" cy="584462"/>
+          </a:xfrm>
+          <a:ln>
+            <a:solidFill>
+              <a:schemeClr val="tx1"/>
+            </a:solidFill>
+          </a:ln>
+        </p:spPr>
+        <p:txBody>
+          <a:bodyPr>
+            <a:normAutofit fontScale="90000"/>
+          </a:bodyPr>
+          <a:lstStyle/>
+          <a:p>
+            <a:r>
+              <a:rPr lang="en-US" sz="3600" b="1" dirty="0"/>
               <a:t>Objective-9 (Outlier Detection and Handling) [IQR Method</a:t>
             </a:r>
             <a:r>
@@ -20771,7 +21207,7 @@
 </p:sld>
 </file>
 
-<file path=ppt/slides/slide14.xml><?xml version="1.0" encoding="utf-8"?>
+<file path=ppt/slides/slide15.xml><?xml version="1.0" encoding="utf-8"?>
 <p:sld xmlns:a="http://schemas.openxmlformats.org/drawingml/2006/main" xmlns:r="http://schemas.openxmlformats.org/officeDocument/2006/relationships" xmlns:p="http://schemas.openxmlformats.org/presentationml/2006/main">
   <p:cSld>
     <p:spTree>

--- a/Insights_and_Recommendations_File.pptx
+++ b/Insights_and_Recommendations_File.pptx
@@ -21261,16 +21261,11 @@
               <a:rPr lang="en-US" sz="2400" b="1" u="sng" dirty="0"/>
               <a:t>Findings-</a:t>
             </a:r>
-            <a:endParaRPr lang="en-US" b="1" dirty="0"/>
           </a:p>
           <a:p>
-            <a:pPr marL="342900" indent="-342900">
-              <a:buFont typeface="+mj-lt"/>
-              <a:buAutoNum type="arabicPeriod"/>
-            </a:pPr>
             <a:r>
               <a:rPr lang="en-US" b="1" dirty="0"/>
-              <a:t>Problem with Customer Targeting-</a:t>
+              <a:t>1. Problem with Customer Targeting-</a:t>
             </a:r>
           </a:p>
           <a:p>
@@ -21287,13 +21282,9 @@
             <a:endParaRPr lang="en-US" sz="1800" dirty="0"/>
           </a:p>
           <a:p>
-            <a:pPr marL="342900" indent="-342900">
-              <a:buFont typeface="+mj-lt"/>
-              <a:buAutoNum type="arabicPeriod"/>
-            </a:pPr>
             <a:r>
               <a:rPr lang="en-US" b="1" dirty="0"/>
-              <a:t>Communication problem-</a:t>
+              <a:t>2. Communication problem-</a:t>
             </a:r>
           </a:p>
           <a:p>
@@ -21309,20 +21300,12 @@
             </a:r>
           </a:p>
           <a:p>
-            <a:pPr marL="342900" indent="-342900">
-              <a:buFont typeface="+mj-lt"/>
-              <a:buAutoNum type="arabicPeriod"/>
-            </a:pPr>
             <a:endParaRPr lang="en-US" dirty="0"/>
           </a:p>
           <a:p>
-            <a:pPr marL="342900" indent="-342900">
-              <a:buFont typeface="+mj-lt"/>
-              <a:buAutoNum type="arabicPeriod"/>
-            </a:pPr>
             <a:r>
               <a:rPr lang="en-US" b="1" dirty="0"/>
-              <a:t>Improper understanding of high prospect customer segment by campaigner- </a:t>
+              <a:t>3. Improper understanding of high prospect customer segment by campaigner- </a:t>
             </a:r>
           </a:p>
           <a:p>
@@ -21373,13 +21356,9 @@
             <a:endParaRPr lang="en-US" dirty="0"/>
           </a:p>
           <a:p>
-            <a:pPr marL="342900" indent="-342900">
-              <a:buFont typeface="+mj-lt"/>
-              <a:buAutoNum type="arabicPeriod"/>
-            </a:pPr>
             <a:r>
               <a:rPr lang="en-US" dirty="0"/>
-              <a:t>Ask the marketing team to </a:t>
+              <a:t>1. Ask the marketing team to </a:t>
             </a:r>
             <a:r>
               <a:rPr lang="en-US" b="1" dirty="0"/>
@@ -21391,20 +21370,12 @@
             </a:r>
           </a:p>
           <a:p>
-            <a:pPr marL="342900" indent="-342900">
-              <a:buFont typeface="+mj-lt"/>
-              <a:buAutoNum type="arabicPeriod"/>
-            </a:pPr>
             <a:endParaRPr lang="en-US" dirty="0"/>
           </a:p>
           <a:p>
-            <a:pPr marL="342900" indent="-342900">
-              <a:buFont typeface="+mj-lt"/>
-              <a:buAutoNum type="arabicPeriod"/>
-            </a:pPr>
             <a:r>
               <a:rPr lang="en-US" dirty="0"/>
-              <a:t>Improve the </a:t>
+              <a:t>2. Improve the </a:t>
             </a:r>
             <a:r>
               <a:rPr lang="en-US" b="1" dirty="0"/>
@@ -21416,20 +21387,24 @@
             </a:r>
           </a:p>
           <a:p>
-            <a:pPr marL="342900" indent="-342900">
-              <a:buFont typeface="+mj-lt"/>
-              <a:buAutoNum type="arabicPeriod"/>
-            </a:pPr>
             <a:endParaRPr lang="en-US" dirty="0"/>
           </a:p>
           <a:p>
-            <a:pPr marL="342900" indent="-342900">
-              <a:buFont typeface="+mj-lt"/>
-              <a:buAutoNum type="arabicPeriod"/>
-            </a:pPr>
+            <a:r>
+              <a:rPr lang="en-US" b="1"/>
+              <a:t>3.</a:t>
+            </a:r>
             <a:r>
               <a:rPr lang="en-US" b="1" dirty="0"/>
-              <a:t>Remapping the product’s market relevance</a:t>
+              <a:t> </a:t>
+            </a:r>
+            <a:r>
+              <a:rPr lang="en-US" b="1"/>
+              <a:t>Remapping </a:t>
+            </a:r>
+            <a:r>
+              <a:rPr lang="en-US" b="1" dirty="0"/>
+              <a:t>the product’s market relevance</a:t>
             </a:r>
             <a:r>
               <a:rPr lang="en-US" dirty="0"/>
